--- a/Documentacion/DSD Turismo Final.pptx
+++ b/Documentacion/DSD Turismo Final.pptx
@@ -386,7 +386,7 @@
             <a:fld id="{12C6357D-9BC5-4679-A37F-B612DF52206F}" type="datetimeFigureOut">
               <a:rPr lang="es-PE" smtClean="0"/>
               <a:pPr/>
-              <a:t>25/01/2013</a:t>
+              <a:t>16/02/2013</a:t>
             </a:fld>
             <a:endParaRPr lang="es-PE"/>
           </a:p>
@@ -999,7 +999,7 @@
             <a:fld id="{12C6357D-9BC5-4679-A37F-B612DF52206F}" type="datetimeFigureOut">
               <a:rPr lang="es-PE" smtClean="0"/>
               <a:pPr/>
-              <a:t>25/01/2013</a:t>
+              <a:t>16/02/2013</a:t>
             </a:fld>
             <a:endParaRPr lang="es-PE"/>
           </a:p>
@@ -1183,7 +1183,7 @@
             <a:fld id="{12C6357D-9BC5-4679-A37F-B612DF52206F}" type="datetimeFigureOut">
               <a:rPr lang="es-PE" smtClean="0"/>
               <a:pPr/>
-              <a:t>25/01/2013</a:t>
+              <a:t>16/02/2013</a:t>
             </a:fld>
             <a:endParaRPr lang="es-PE"/>
           </a:p>
@@ -1413,7 +1413,7 @@
             <a:fld id="{12C6357D-9BC5-4679-A37F-B612DF52206F}" type="datetimeFigureOut">
               <a:rPr lang="es-PE" smtClean="0"/>
               <a:pPr/>
-              <a:t>25/01/2013</a:t>
+              <a:t>16/02/2013</a:t>
             </a:fld>
             <a:endParaRPr lang="es-PE"/>
           </a:p>
@@ -1669,7 +1669,7 @@
             <a:fld id="{12C6357D-9BC5-4679-A37F-B612DF52206F}" type="datetimeFigureOut">
               <a:rPr lang="es-PE" smtClean="0"/>
               <a:pPr/>
-              <a:t>25/01/2013</a:t>
+              <a:t>16/02/2013</a:t>
             </a:fld>
             <a:endParaRPr lang="es-PE"/>
           </a:p>
@@ -1795,7 +1795,7 @@
             <a:fld id="{12C6357D-9BC5-4679-A37F-B612DF52206F}" type="datetimeFigureOut">
               <a:rPr lang="es-PE" smtClean="0"/>
               <a:pPr/>
-              <a:t>25/01/2013</a:t>
+              <a:t>16/02/2013</a:t>
             </a:fld>
             <a:endParaRPr lang="es-PE"/>
           </a:p>
@@ -2169,7 +2169,7 @@
             <a:fld id="{12C6357D-9BC5-4679-A37F-B612DF52206F}" type="datetimeFigureOut">
               <a:rPr lang="es-PE" smtClean="0"/>
               <a:pPr/>
-              <a:t>25/01/2013</a:t>
+              <a:t>16/02/2013</a:t>
             </a:fld>
             <a:endParaRPr lang="es-PE"/>
           </a:p>
@@ -2409,7 +2409,7 @@
             <a:fld id="{12C6357D-9BC5-4679-A37F-B612DF52206F}" type="datetimeFigureOut">
               <a:rPr lang="es-PE" smtClean="0"/>
               <a:pPr/>
-              <a:t>25/01/2013</a:t>
+              <a:t>16/02/2013</a:t>
             </a:fld>
             <a:endParaRPr lang="es-PE"/>
           </a:p>
@@ -2508,7 +2508,7 @@
             <a:fld id="{12C6357D-9BC5-4679-A37F-B612DF52206F}" type="datetimeFigureOut">
               <a:rPr lang="es-PE" smtClean="0"/>
               <a:pPr/>
-              <a:t>25/01/2013</a:t>
+              <a:t>16/02/2013</a:t>
             </a:fld>
             <a:endParaRPr lang="es-PE"/>
           </a:p>
@@ -2776,7 +2776,7 @@
             <a:fld id="{12C6357D-9BC5-4679-A37F-B612DF52206F}" type="datetimeFigureOut">
               <a:rPr lang="es-PE" smtClean="0"/>
               <a:pPr/>
-              <a:t>25/01/2013</a:t>
+              <a:t>16/02/2013</a:t>
             </a:fld>
             <a:endParaRPr lang="es-PE"/>
           </a:p>
@@ -3049,7 +3049,7 @@
             <a:fld id="{12C6357D-9BC5-4679-A37F-B612DF52206F}" type="datetimeFigureOut">
               <a:rPr lang="es-PE" smtClean="0"/>
               <a:pPr/>
-              <a:t>25/01/2013</a:t>
+              <a:t>16/02/2013</a:t>
             </a:fld>
             <a:endParaRPr lang="es-PE"/>
           </a:p>
@@ -3593,7 +3593,7 @@
             <a:fld id="{12C6357D-9BC5-4679-A37F-B612DF52206F}" type="datetimeFigureOut">
               <a:rPr lang="es-PE" smtClean="0"/>
               <a:pPr/>
-              <a:t>25/01/2013</a:t>
+              <a:t>16/02/2013</a:t>
             </a:fld>
             <a:endParaRPr lang="es-PE"/>
           </a:p>
@@ -4050,7 +4050,7 @@
           <a:blip r:embed="rId2" cstate="print">
             <a:extLst>
               <a:ext uri="{28A0092B-C50C-407E-A947-70E740481C1C}">
-                <a14:useLocalDpi xmlns:a14="http://schemas.microsoft.com/office/drawing/2010/main" xmlns="" val="0"/>
+                <a14:useLocalDpi xmlns:a14="http://schemas.microsoft.com/office/drawing/2010/main" val="0"/>
               </a:ext>
             </a:extLst>
           </a:blip>
@@ -4240,7 +4240,7 @@
     </p:spTree>
     <p:extLst>
       <p:ext uri="{BB962C8B-B14F-4D97-AF65-F5344CB8AC3E}">
-        <p14:creationId xmlns:p14="http://schemas.microsoft.com/office/powerpoint/2010/main" xmlns="" val="1103261289"/>
+        <p14:creationId xmlns:p14="http://schemas.microsoft.com/office/powerpoint/2010/main" val="1103261289"/>
       </p:ext>
     </p:extLst>
   </p:cSld>
@@ -4309,7 +4309,7 @@
           <a:blip r:embed="rId2" cstate="print">
             <a:extLst>
               <a:ext uri="{28A0092B-C50C-407E-A947-70E740481C1C}">
-                <a14:useLocalDpi xmlns:a14="http://schemas.microsoft.com/office/drawing/2010/main" xmlns="" val="0"/>
+                <a14:useLocalDpi xmlns:a14="http://schemas.microsoft.com/office/drawing/2010/main" val="0"/>
               </a:ext>
             </a:extLst>
           </a:blip>
@@ -4333,14 +4333,14 @@
           <a:effectLst/>
           <a:extLst>
             <a:ext uri="{909E8E84-426E-40DD-AFC4-6F175D3DCCD1}">
-              <a14:hiddenFill xmlns:a14="http://schemas.microsoft.com/office/drawing/2010/main" xmlns="">
+              <a14:hiddenFill xmlns:a14="http://schemas.microsoft.com/office/drawing/2010/main">
                 <a:solidFill>
                   <a:schemeClr val="accent1"/>
                 </a:solidFill>
               </a14:hiddenFill>
             </a:ext>
             <a:ext uri="{91240B29-F687-4F45-9708-019B960494DF}">
-              <a14:hiddenLine xmlns:a14="http://schemas.microsoft.com/office/drawing/2010/main" xmlns="" w="9525">
+              <a14:hiddenLine xmlns:a14="http://schemas.microsoft.com/office/drawing/2010/main" w="9525">
                 <a:solidFill>
                   <a:schemeClr val="tx1"/>
                 </a:solidFill>
@@ -4350,7 +4350,7 @@
               </a14:hiddenLine>
             </a:ext>
             <a:ext uri="{AF507438-7753-43E0-B8FC-AC1667EBCBE1}">
-              <a14:hiddenEffects xmlns:a14="http://schemas.microsoft.com/office/drawing/2010/main" xmlns="">
+              <a14:hiddenEffects xmlns:a14="http://schemas.microsoft.com/office/drawing/2010/main">
                 <a:effectLst>
                   <a:outerShdw dist="35921" dir="2700000" algn="ctr" rotWithShape="0">
                     <a:schemeClr val="bg2"/>
@@ -4364,7 +4364,7 @@
     </p:spTree>
     <p:extLst>
       <p:ext uri="{BB962C8B-B14F-4D97-AF65-F5344CB8AC3E}">
-        <p14:creationId xmlns:p14="http://schemas.microsoft.com/office/powerpoint/2010/main" xmlns="" val="2682710058"/>
+        <p14:creationId xmlns:p14="http://schemas.microsoft.com/office/powerpoint/2010/main" val="2682710058"/>
       </p:ext>
     </p:extLst>
   </p:cSld>
@@ -4440,7 +4440,7 @@
           <a:blip r:embed="rId2" cstate="print">
             <a:extLst>
               <a:ext uri="{28A0092B-C50C-407E-A947-70E740481C1C}">
-                <a14:useLocalDpi xmlns:a14="http://schemas.microsoft.com/office/drawing/2010/main" xmlns="" val="0"/>
+                <a14:useLocalDpi xmlns:a14="http://schemas.microsoft.com/office/drawing/2010/main" val="0"/>
               </a:ext>
             </a:extLst>
           </a:blip>
@@ -4464,14 +4464,14 @@
           <a:effectLst/>
           <a:extLst>
             <a:ext uri="{909E8E84-426E-40DD-AFC4-6F175D3DCCD1}">
-              <a14:hiddenFill xmlns:a14="http://schemas.microsoft.com/office/drawing/2010/main" xmlns="">
+              <a14:hiddenFill xmlns:a14="http://schemas.microsoft.com/office/drawing/2010/main">
                 <a:solidFill>
                   <a:schemeClr val="accent1"/>
                 </a:solidFill>
               </a14:hiddenFill>
             </a:ext>
             <a:ext uri="{91240B29-F687-4F45-9708-019B960494DF}">
-              <a14:hiddenLine xmlns:a14="http://schemas.microsoft.com/office/drawing/2010/main" xmlns="" w="9525">
+              <a14:hiddenLine xmlns:a14="http://schemas.microsoft.com/office/drawing/2010/main" w="9525">
                 <a:solidFill>
                   <a:schemeClr val="tx1"/>
                 </a:solidFill>
@@ -4481,7 +4481,7 @@
               </a14:hiddenLine>
             </a:ext>
             <a:ext uri="{AF507438-7753-43E0-B8FC-AC1667EBCBE1}">
-              <a14:hiddenEffects xmlns:a14="http://schemas.microsoft.com/office/drawing/2010/main" xmlns="">
+              <a14:hiddenEffects xmlns:a14="http://schemas.microsoft.com/office/drawing/2010/main">
                 <a:effectLst>
                   <a:outerShdw dist="35921" dir="2700000" algn="ctr" rotWithShape="0">
                     <a:schemeClr val="bg2"/>
@@ -4495,7 +4495,7 @@
     </p:spTree>
     <p:extLst>
       <p:ext uri="{BB962C8B-B14F-4D97-AF65-F5344CB8AC3E}">
-        <p14:creationId xmlns:p14="http://schemas.microsoft.com/office/powerpoint/2010/main" xmlns="" val="2518819780"/>
+        <p14:creationId xmlns:p14="http://schemas.microsoft.com/office/powerpoint/2010/main" val="2518819780"/>
       </p:ext>
     </p:extLst>
   </p:cSld>
@@ -4571,7 +4571,7 @@
           <a:blip r:embed="rId2" cstate="print">
             <a:extLst>
               <a:ext uri="{28A0092B-C50C-407E-A947-70E740481C1C}">
-                <a14:useLocalDpi xmlns:a14="http://schemas.microsoft.com/office/drawing/2010/main" xmlns="" val="0"/>
+                <a14:useLocalDpi xmlns:a14="http://schemas.microsoft.com/office/drawing/2010/main" val="0"/>
               </a:ext>
             </a:extLst>
           </a:blip>
@@ -4593,14 +4593,14 @@
           <a:effectLst/>
           <a:extLst>
             <a:ext uri="{909E8E84-426E-40DD-AFC4-6F175D3DCCD1}">
-              <a14:hiddenFill xmlns:a14="http://schemas.microsoft.com/office/drawing/2010/main" xmlns="">
+              <a14:hiddenFill xmlns:a14="http://schemas.microsoft.com/office/drawing/2010/main">
                 <a:solidFill>
                   <a:schemeClr val="accent1"/>
                 </a:solidFill>
               </a14:hiddenFill>
             </a:ext>
             <a:ext uri="{91240B29-F687-4F45-9708-019B960494DF}">
-              <a14:hiddenLine xmlns:a14="http://schemas.microsoft.com/office/drawing/2010/main" xmlns="" w="9525">
+              <a14:hiddenLine xmlns:a14="http://schemas.microsoft.com/office/drawing/2010/main" w="9525">
                 <a:solidFill>
                   <a:schemeClr val="tx1"/>
                 </a:solidFill>
@@ -4610,7 +4610,7 @@
               </a14:hiddenLine>
             </a:ext>
             <a:ext uri="{AF507438-7753-43E0-B8FC-AC1667EBCBE1}">
-              <a14:hiddenEffects xmlns:a14="http://schemas.microsoft.com/office/drawing/2010/main" xmlns="">
+              <a14:hiddenEffects xmlns:a14="http://schemas.microsoft.com/office/drawing/2010/main">
                 <a:effectLst>
                   <a:outerShdw dist="35921" dir="2700000" algn="ctr" rotWithShape="0">
                     <a:schemeClr val="bg2"/>
@@ -4624,7 +4624,7 @@
     </p:spTree>
     <p:extLst>
       <p:ext uri="{BB962C8B-B14F-4D97-AF65-F5344CB8AC3E}">
-        <p14:creationId xmlns:p14="http://schemas.microsoft.com/office/powerpoint/2010/main" xmlns="" val="2777488043"/>
+        <p14:creationId xmlns:p14="http://schemas.microsoft.com/office/powerpoint/2010/main" val="2777488043"/>
       </p:ext>
     </p:extLst>
   </p:cSld>
@@ -4691,12 +4691,12 @@
               <a:t>Es el usuario final que va a interactuar con la </a:t>
             </a:r>
             <a:r>
-              <a:rPr lang="es-PE" sz="1400" dirty="0" err="1"/>
-              <a:t>aplicacion</a:t>
+              <a:rPr lang="es-PE" sz="1400" dirty="0" smtClean="0"/>
+              <a:t>aplicación </a:t>
             </a:r>
             <a:r>
               <a:rPr lang="es-PE" sz="1400" dirty="0"/>
-              <a:t> teniendo la posibilidad de consultar y registrar paquetes de acuerdo a preferencia.</a:t>
+              <a:t>teniendo la posibilidad de consultar y registrar paquetes de acuerdo a preferencia.</a:t>
             </a:r>
           </a:p>
           <a:p>
@@ -4776,7 +4776,7 @@
           <a:p>
             <a:r>
               <a:rPr lang="en-US" sz="1400" b="1" dirty="0" err="1" smtClean="0"/>
-              <a:t>Tecnologias</a:t>
+              <a:t>Tecnologías</a:t>
             </a:r>
             <a:r>
               <a:rPr lang="en-US" sz="1400" b="1" dirty="0" smtClean="0"/>
@@ -4904,6 +4904,100 @@
             <a:pPr lvl="0"/>
             <a:r>
               <a:rPr lang="en-US" sz="1400" dirty="0"/>
+              <a:t>Windows Server 2008 R2</a:t>
+            </a:r>
+            <a:endParaRPr lang="es-PE" sz="1400" dirty="0"/>
+          </a:p>
+          <a:p>
+            <a:pPr lvl="0"/>
+            <a:r>
+              <a:rPr lang="en-US" sz="1400" dirty="0"/>
+              <a:t>Internet Information Server 7.0</a:t>
+            </a:r>
+            <a:endParaRPr lang="es-PE" sz="1400" dirty="0"/>
+          </a:p>
+          <a:p>
+            <a:r>
+              <a:rPr lang="en-US" sz="1400" b="1" dirty="0" err="1" smtClean="0"/>
+              <a:t>Tecnologías</a:t>
+            </a:r>
+            <a:r>
+              <a:rPr lang="en-US" sz="1400" b="1" dirty="0" smtClean="0"/>
+              <a:t> </a:t>
+            </a:r>
+            <a:r>
+              <a:rPr lang="en-US" sz="1400" b="1" dirty="0" err="1" smtClean="0"/>
+              <a:t>utilizadas</a:t>
+            </a:r>
+            <a:r>
+              <a:rPr lang="en-US" sz="1400" b="1" dirty="0" smtClean="0"/>
+              <a:t>:</a:t>
+            </a:r>
+            <a:endParaRPr lang="es-PE" sz="1400" dirty="0"/>
+          </a:p>
+          <a:p>
+            <a:pPr lvl="0"/>
+            <a:r>
+              <a:rPr lang="en-US" sz="1400" dirty="0"/>
+              <a:t>Web Services REST </a:t>
+            </a:r>
+            <a:endParaRPr lang="es-PE" sz="1400" dirty="0"/>
+          </a:p>
+          <a:p>
+            <a:pPr lvl="0"/>
+            <a:r>
+              <a:rPr lang="en-US" sz="1400" dirty="0"/>
+              <a:t>MVC 4 – Web API</a:t>
+            </a:r>
+            <a:endParaRPr lang="es-PE" sz="1400" dirty="0"/>
+          </a:p>
+          <a:p>
+            <a:pPr lvl="0"/>
+            <a:r>
+              <a:rPr lang="en-US" sz="1400" dirty="0" err="1"/>
+              <a:t>NUnit</a:t>
+            </a:r>
+            <a:endParaRPr lang="es-PE" sz="1400" dirty="0"/>
+          </a:p>
+          <a:p>
+            <a:pPr lvl="0"/>
+            <a:r>
+              <a:rPr lang="en-US" sz="1400" dirty="0"/>
+              <a:t>IDE: Visual Studio 2010</a:t>
+            </a:r>
+            <a:endParaRPr lang="es-PE" sz="1400" dirty="0"/>
+          </a:p>
+          <a:p>
+            <a:r>
+              <a:rPr lang="en-US" sz="1400" dirty="0"/>
+              <a:t> </a:t>
+            </a:r>
+            <a:endParaRPr lang="es-PE" sz="1400" dirty="0"/>
+          </a:p>
+          <a:p>
+            <a:r>
+              <a:rPr lang="es-PE" sz="1400" b="1" u="sng" dirty="0"/>
+              <a:t>App Server C</a:t>
+            </a:r>
+            <a:endParaRPr lang="es-PE" sz="1400" u="sng" dirty="0"/>
+          </a:p>
+          <a:p>
+            <a:r>
+              <a:rPr lang="es-PE" sz="1400" dirty="0"/>
+              <a:t>El servicio publicado se encargara de proveer información de los distintos hoteles de acuerdo a los destinos elegidos.</a:t>
+            </a:r>
+          </a:p>
+          <a:p>
+            <a:r>
+              <a:rPr lang="es-PE" sz="1400" b="1" dirty="0"/>
+              <a:t>Software requerido:</a:t>
+            </a:r>
+            <a:endParaRPr lang="es-PE" sz="1400" dirty="0"/>
+          </a:p>
+          <a:p>
+            <a:pPr lvl="0"/>
+            <a:r>
+              <a:rPr lang="en-US" sz="1400" dirty="0"/>
               <a:t>Linux </a:t>
             </a:r>
             <a:r>
@@ -4943,105 +5037,11 @@
             <a:pPr lvl="0"/>
             <a:r>
               <a:rPr lang="en-US" sz="1400" dirty="0"/>
-              <a:t>Web Services SOAP </a:t>
-            </a:r>
-            <a:endParaRPr lang="es-PE" sz="1400" dirty="0"/>
-          </a:p>
-          <a:p>
-            <a:pPr lvl="0"/>
-            <a:r>
-              <a:rPr lang="en-US" sz="1400" dirty="0"/>
-              <a:t>MAVEN</a:t>
-            </a:r>
-            <a:endParaRPr lang="es-PE" sz="1400" dirty="0"/>
-          </a:p>
-          <a:p>
-            <a:pPr lvl="0"/>
-            <a:r>
-              <a:rPr lang="en-US" sz="1400" dirty="0" err="1"/>
-              <a:t>JUnit</a:t>
-            </a:r>
-            <a:endParaRPr lang="es-PE" sz="1400" dirty="0"/>
-          </a:p>
-          <a:p>
-            <a:pPr lvl="0"/>
-            <a:r>
-              <a:rPr lang="en-US" sz="1400" dirty="0"/>
-              <a:t>IDE: Spring Tool Suite 9</a:t>
-            </a:r>
-            <a:endParaRPr lang="es-PE" sz="1400" dirty="0"/>
-          </a:p>
-          <a:p>
-            <a:r>
-              <a:rPr lang="en-US" sz="1400" dirty="0"/>
-              <a:t> </a:t>
-            </a:r>
-            <a:endParaRPr lang="es-PE" sz="1400" dirty="0"/>
-          </a:p>
-          <a:p>
-            <a:r>
-              <a:rPr lang="es-PE" sz="1400" b="1" u="sng" dirty="0"/>
-              <a:t>App Server C</a:t>
-            </a:r>
-            <a:endParaRPr lang="es-PE" sz="1400" u="sng" dirty="0"/>
-          </a:p>
-          <a:p>
-            <a:r>
-              <a:rPr lang="es-PE" sz="1400" dirty="0"/>
-              <a:t>El servicio publicado se encargara de proveer información de los distintos hoteles de acuerdo a los destinos elegidos.</a:t>
-            </a:r>
-          </a:p>
-          <a:p>
-            <a:r>
-              <a:rPr lang="es-PE" sz="1400" b="1" dirty="0"/>
-              <a:t>Software requerido:</a:t>
-            </a:r>
-            <a:endParaRPr lang="es-PE" sz="1400" dirty="0"/>
-          </a:p>
-          <a:p>
-            <a:pPr lvl="0"/>
-            <a:r>
-              <a:rPr lang="en-US" sz="1400" dirty="0"/>
-              <a:t>Linux </a:t>
-            </a:r>
-            <a:r>
-              <a:rPr lang="en-US" sz="1400" dirty="0" err="1"/>
-              <a:t>Redhat</a:t>
-            </a:r>
-            <a:endParaRPr lang="es-PE" sz="1400" dirty="0"/>
-          </a:p>
-          <a:p>
-            <a:pPr lvl="0"/>
-            <a:r>
-              <a:rPr lang="en-US" sz="1400" dirty="0"/>
-              <a:t>Apache Tomcat 7</a:t>
-            </a:r>
-            <a:endParaRPr lang="es-PE" sz="1400" dirty="0"/>
-          </a:p>
-          <a:p>
-            <a:r>
-              <a:rPr lang="en-US" sz="1400" b="1" dirty="0" err="1" smtClean="0"/>
-              <a:t>Tecnologias</a:t>
-            </a:r>
-            <a:r>
-              <a:rPr lang="en-US" sz="1400" b="1" dirty="0" smtClean="0"/>
-              <a:t> </a:t>
-            </a:r>
-            <a:r>
-              <a:rPr lang="en-US" sz="1400" b="1" dirty="0" err="1" smtClean="0"/>
-              <a:t>utilizadas</a:t>
-            </a:r>
-            <a:r>
-              <a:rPr lang="en-US" sz="1400" b="1" dirty="0" smtClean="0"/>
-              <a:t>:</a:t>
-            </a:r>
-            <a:endParaRPr lang="es-PE" sz="1400" dirty="0"/>
-          </a:p>
-          <a:p>
-            <a:pPr lvl="0"/>
-            <a:r>
-              <a:rPr lang="en-US" sz="1400" dirty="0"/>
-              <a:t>Web Services REST</a:t>
+              <a:t>Web Services </a:t>
+            </a:r>
+            <a:r>
+              <a:rPr lang="es-PE" sz="1400" dirty="0" smtClean="0"/>
+              <a:t>SOAP</a:t>
             </a:r>
             <a:endParaRPr lang="es-PE" sz="1400" dirty="0"/>
           </a:p>
@@ -5141,7 +5141,7 @@
     </p:spTree>
     <p:extLst>
       <p:ext uri="{BB962C8B-B14F-4D97-AF65-F5344CB8AC3E}">
-        <p14:creationId xmlns:p14="http://schemas.microsoft.com/office/powerpoint/2010/main" xmlns="" val="1232241344"/>
+        <p14:creationId xmlns:p14="http://schemas.microsoft.com/office/powerpoint/2010/main" val="1232241344"/>
       </p:ext>
     </p:extLst>
   </p:cSld>
@@ -5188,125 +5188,108 @@
         <p:spPr>
           <a:xfrm>
             <a:off x="1043608" y="980728"/>
-            <a:ext cx="7467600" cy="4419600"/>
+            <a:ext cx="7467600" cy="5112568"/>
           </a:xfrm>
         </p:spPr>
         <p:txBody>
           <a:bodyPr>
-            <a:normAutofit fontScale="77500" lnSpcReduction="20000"/>
+            <a:noAutofit/>
           </a:bodyPr>
           <a:lstStyle/>
           <a:p>
-            <a:pPr lvl="0"/>
-            <a:r>
-              <a:rPr lang="es-PE" dirty="0" smtClean="0"/>
-              <a:t>Con este proyecto se ha logrado integrar a los proveedores con los procesos </a:t>
-            </a:r>
-            <a:r>
-              <a:rPr lang="es-PE" dirty="0" smtClean="0"/>
-              <a:t>estratégicos </a:t>
-            </a:r>
-            <a:r>
-              <a:rPr lang="es-PE" dirty="0" smtClean="0"/>
-              <a:t>de la empresa.</a:t>
-            </a:r>
-          </a:p>
-          <a:p>
-            <a:pPr>
+            <a:pPr lvl="0" algn="just"/>
+            <a:r>
+              <a:rPr lang="es-PE" sz="1400" dirty="0"/>
+              <a:t>Con este proyecto ha logrado integrar de manera efectiva a los proveedores con los procesos estratégicos de la empresa, los cuales pasan a ser parte de la empresa</a:t>
+            </a:r>
+            <a:r>
+              <a:rPr lang="es-PE" sz="1400"/>
+              <a:t>, </a:t>
+            </a:r>
+            <a:r>
+              <a:rPr lang="es-PE" sz="1400" smtClean="0"/>
+              <a:t>casi </a:t>
+            </a:r>
+            <a:r>
+              <a:rPr lang="es-PE" sz="1400" dirty="0"/>
+              <a:t>un área dentro de la misma.</a:t>
+            </a:r>
+          </a:p>
+          <a:p>
+            <a:pPr marL="0" indent="0" algn="just">
               <a:buNone/>
             </a:pPr>
             <a:r>
-              <a:rPr lang="es-PE" b="1" dirty="0" smtClean="0"/>
+              <a:rPr lang="es-PE" sz="1400" b="1" dirty="0"/>
               <a:t> </a:t>
             </a:r>
-            <a:endParaRPr lang="es-PE" dirty="0" smtClean="0"/>
-          </a:p>
-          <a:p>
-            <a:pPr lvl="0"/>
-            <a:r>
-              <a:rPr lang="es-PE" dirty="0" smtClean="0"/>
-              <a:t>Se ha logrado tener una comunicación en tiempo real entre </a:t>
-            </a:r>
-            <a:r>
-              <a:rPr lang="es-PE" smtClean="0"/>
-              <a:t>las </a:t>
-            </a:r>
-            <a:r>
-              <a:rPr lang="es-PE" smtClean="0"/>
-              <a:t>solicitudes </a:t>
-            </a:r>
-            <a:r>
-              <a:rPr lang="es-PE" dirty="0" smtClean="0"/>
-              <a:t>de nuestros clientes y la disponibilidad de nuestros proveedores.</a:t>
-            </a:r>
-          </a:p>
-          <a:p>
-            <a:pPr>
+            <a:endParaRPr lang="es-PE" sz="1400" dirty="0"/>
+          </a:p>
+          <a:p>
+            <a:pPr lvl="0" algn="just"/>
+            <a:r>
+              <a:rPr lang="es-PE" sz="1400" dirty="0"/>
+              <a:t>Se ha logrado tener una comunicación en tiempo real entre las solicitudes de nuestros clientes y la disponibilidad de nuestros proveedores, reduciendo los tiempos de respuesta en el proceso central de negocio.</a:t>
+            </a:r>
+          </a:p>
+          <a:p>
+            <a:pPr marL="0" indent="0" algn="just">
               <a:buNone/>
             </a:pPr>
             <a:r>
-              <a:rPr lang="es-PE" dirty="0" smtClean="0"/>
+              <a:rPr lang="es-PE" sz="1400" dirty="0"/>
               <a:t> </a:t>
             </a:r>
           </a:p>
           <a:p>
-            <a:pPr lvl="0"/>
-            <a:r>
-              <a:rPr lang="es-PE" dirty="0" smtClean="0"/>
-              <a:t>Por medio de la </a:t>
-            </a:r>
-            <a:r>
-              <a:rPr lang="es-PE" dirty="0" smtClean="0"/>
-              <a:t>implementación, </a:t>
-            </a:r>
-            <a:r>
-              <a:rPr lang="es-PE" dirty="0" smtClean="0"/>
-              <a:t>se ha logrado reducir los tiempos de respuesta en el proceso central de negocio.</a:t>
-            </a:r>
-          </a:p>
-          <a:p>
-            <a:pPr>
+            <a:pPr lvl="0" algn="just"/>
+            <a:r>
+              <a:rPr lang="es-PE" sz="1400" dirty="0"/>
+              <a:t>La tecnología utilizada se encuentra disponible para todos y no significa un alto costo de licencias y software para el cliente, lejos de tener una plataforma cara, es una efectiva y nueva manera de hacer negocios que le permite a la empresa estar un paso delante de sus competidores.</a:t>
+            </a:r>
+          </a:p>
+          <a:p>
+            <a:pPr marL="0" indent="0" algn="just">
               <a:buNone/>
             </a:pPr>
             <a:r>
-              <a:rPr lang="es-PE" dirty="0" smtClean="0"/>
+              <a:rPr lang="es-PE" sz="1400" dirty="0"/>
               <a:t> </a:t>
             </a:r>
           </a:p>
           <a:p>
-            <a:pPr lvl="0"/>
-            <a:r>
-              <a:rPr lang="es-PE" dirty="0" smtClean="0"/>
-              <a:t>Es importante manejar un </a:t>
-            </a:r>
-            <a:r>
-              <a:rPr lang="es-PE" dirty="0" smtClean="0"/>
-              <a:t>repositorio </a:t>
-            </a:r>
-            <a:r>
-              <a:rPr lang="es-PE" dirty="0" smtClean="0"/>
-              <a:t>que nos permita controlar las versiones de nuestra </a:t>
-            </a:r>
-            <a:r>
-              <a:rPr lang="es-PE" dirty="0" smtClean="0"/>
-              <a:t>aplicación. </a:t>
-            </a:r>
-            <a:r>
-              <a:rPr lang="es-PE" dirty="0" smtClean="0"/>
-              <a:t>En este caso se utilizo </a:t>
-            </a:r>
-            <a:r>
-              <a:rPr lang="es-PE" dirty="0" err="1" smtClean="0"/>
-              <a:t>Github</a:t>
-            </a:r>
-            <a:r>
-              <a:rPr lang="es-PE" dirty="0" smtClean="0"/>
-              <a:t>.</a:t>
-            </a:r>
-            <a:endParaRPr lang="es-PE" dirty="0" smtClean="0"/>
-          </a:p>
-          <a:p>
-            <a:endParaRPr lang="es-PE" dirty="0"/>
+            <a:pPr lvl="0" algn="just"/>
+            <a:r>
+              <a:rPr lang="es-PE" sz="1400" dirty="0"/>
+              <a:t>La plataforma utilizada es en su mayoría Open </a:t>
+            </a:r>
+            <a:r>
+              <a:rPr lang="es-PE" sz="1400" dirty="0" err="1"/>
+              <a:t>Source</a:t>
+            </a:r>
+            <a:r>
+              <a:rPr lang="es-PE" sz="1400" dirty="0"/>
+              <a:t>, lo cual permite desarrollar una herramienta 100% escalable y con amplio soporte en el mercado, lo cual no sólo logra la independencia del usuario, sino también permite que en el corto plazo la herramienta misma pueda migrar a mejores versiones.</a:t>
+            </a:r>
+          </a:p>
+          <a:p>
+            <a:pPr marL="0" indent="0" algn="just">
+              <a:buNone/>
+            </a:pPr>
+            <a:r>
+              <a:rPr lang="es-PE" sz="1400" dirty="0"/>
+              <a:t> </a:t>
+            </a:r>
+          </a:p>
+          <a:p>
+            <a:pPr lvl="0" algn="just"/>
+            <a:r>
+              <a:rPr lang="es-PE" sz="1400" dirty="0"/>
+              <a:t>La interacción directa del usuario con la empresa mediante la aplicación de   consultas, reservas y adquisición de experiencias turísticas, deja de lado el proceso tradicional de la relación comercial con el cliente, implantando un self-service mediante el uso de tecnologías web.</a:t>
+            </a:r>
+          </a:p>
+          <a:p>
+            <a:endParaRPr lang="es-PE" sz="1400" dirty="0"/>
           </a:p>
         </p:txBody>
       </p:sp>
@@ -5375,7 +5358,7 @@
           <a:blip r:embed="rId2" cstate="print">
             <a:extLst>
               <a:ext uri="{28A0092B-C50C-407E-A947-70E740481C1C}">
-                <a14:useLocalDpi xmlns:a14="http://schemas.microsoft.com/office/drawing/2010/main" xmlns="" val="0"/>
+                <a14:useLocalDpi xmlns:a14="http://schemas.microsoft.com/office/drawing/2010/main" val="0"/>
               </a:ext>
             </a:extLst>
           </a:blip>
@@ -5431,7 +5414,7 @@
     </p:spTree>
     <p:extLst>
       <p:ext uri="{BB962C8B-B14F-4D97-AF65-F5344CB8AC3E}">
-        <p14:creationId xmlns:p14="http://schemas.microsoft.com/office/powerpoint/2010/main" xmlns="" val="3418313797"/>
+        <p14:creationId xmlns:p14="http://schemas.microsoft.com/office/powerpoint/2010/main" val="3418313797"/>
       </p:ext>
     </p:extLst>
   </p:cSld>
@@ -5498,7 +5481,7 @@
           <a:blip r:embed="rId2" cstate="print">
             <a:extLst>
               <a:ext uri="{28A0092B-C50C-407E-A947-70E740481C1C}">
-                <a14:useLocalDpi xmlns:a14="http://schemas.microsoft.com/office/drawing/2010/main" xmlns="" val="0"/>
+                <a14:useLocalDpi xmlns:a14="http://schemas.microsoft.com/office/drawing/2010/main" val="0"/>
               </a:ext>
             </a:extLst>
           </a:blip>
@@ -5519,7 +5502,7 @@
           </a:ln>
           <a:extLst>
             <a:ext uri="{53640926-AAD7-44D8-BBD7-CCE9431645EC}">
-              <a14:shadowObscured xmlns:a14="http://schemas.microsoft.com/office/drawing/2010/main" xmlns=""/>
+              <a14:shadowObscured xmlns:a14="http://schemas.microsoft.com/office/drawing/2010/main"/>
             </a:ext>
           </a:extLst>
         </p:spPr>
@@ -5527,7 +5510,7 @@
     </p:spTree>
     <p:extLst>
       <p:ext uri="{BB962C8B-B14F-4D97-AF65-F5344CB8AC3E}">
-        <p14:creationId xmlns:p14="http://schemas.microsoft.com/office/powerpoint/2010/main" xmlns="" val="1895945201"/>
+        <p14:creationId xmlns:p14="http://schemas.microsoft.com/office/powerpoint/2010/main" val="1895945201"/>
       </p:ext>
     </p:extLst>
   </p:cSld>
@@ -5594,7 +5577,7 @@
           <a:blip r:embed="rId2" cstate="print">
             <a:extLst>
               <a:ext uri="{28A0092B-C50C-407E-A947-70E740481C1C}">
-                <a14:useLocalDpi xmlns:a14="http://schemas.microsoft.com/office/drawing/2010/main" xmlns="" val="0"/>
+                <a14:useLocalDpi xmlns:a14="http://schemas.microsoft.com/office/drawing/2010/main" val="0"/>
               </a:ext>
             </a:extLst>
           </a:blip>
@@ -5615,7 +5598,7 @@
           </a:ln>
           <a:extLst>
             <a:ext uri="{53640926-AAD7-44D8-BBD7-CCE9431645EC}">
-              <a14:shadowObscured xmlns:a14="http://schemas.microsoft.com/office/drawing/2010/main" xmlns=""/>
+              <a14:shadowObscured xmlns:a14="http://schemas.microsoft.com/office/drawing/2010/main"/>
             </a:ext>
           </a:extLst>
         </p:spPr>
@@ -5623,7 +5606,7 @@
     </p:spTree>
     <p:extLst>
       <p:ext uri="{BB962C8B-B14F-4D97-AF65-F5344CB8AC3E}">
-        <p14:creationId xmlns:p14="http://schemas.microsoft.com/office/powerpoint/2010/main" xmlns="" val="712716401"/>
+        <p14:creationId xmlns:p14="http://schemas.microsoft.com/office/powerpoint/2010/main" val="712716401"/>
       </p:ext>
     </p:extLst>
   </p:cSld>
@@ -5697,7 +5680,7 @@
           <a:blip r:embed="rId2" cstate="print">
             <a:extLst>
               <a:ext uri="{28A0092B-C50C-407E-A947-70E740481C1C}">
-                <a14:useLocalDpi xmlns:a14="http://schemas.microsoft.com/office/drawing/2010/main" xmlns="" val="0"/>
+                <a14:useLocalDpi xmlns:a14="http://schemas.microsoft.com/office/drawing/2010/main" val="0"/>
               </a:ext>
             </a:extLst>
           </a:blip>
@@ -5718,7 +5701,7 @@
     </p:spTree>
     <p:extLst>
       <p:ext uri="{BB962C8B-B14F-4D97-AF65-F5344CB8AC3E}">
-        <p14:creationId xmlns:p14="http://schemas.microsoft.com/office/powerpoint/2010/main" xmlns="" val="4084167468"/>
+        <p14:creationId xmlns:p14="http://schemas.microsoft.com/office/powerpoint/2010/main" val="4084167468"/>
       </p:ext>
     </p:extLst>
   </p:cSld>
@@ -5794,7 +5777,7 @@
           <a:blip r:embed="rId2" cstate="print">
             <a:extLst>
               <a:ext uri="{28A0092B-C50C-407E-A947-70E740481C1C}">
-                <a14:useLocalDpi xmlns:a14="http://schemas.microsoft.com/office/drawing/2010/main" xmlns="" val="0"/>
+                <a14:useLocalDpi xmlns:a14="http://schemas.microsoft.com/office/drawing/2010/main" val="0"/>
               </a:ext>
             </a:extLst>
           </a:blip>
@@ -5818,14 +5801,14 @@
           <a:effectLst/>
           <a:extLst>
             <a:ext uri="{909E8E84-426E-40DD-AFC4-6F175D3DCCD1}">
-              <a14:hiddenFill xmlns:a14="http://schemas.microsoft.com/office/drawing/2010/main" xmlns="">
+              <a14:hiddenFill xmlns:a14="http://schemas.microsoft.com/office/drawing/2010/main">
                 <a:solidFill>
                   <a:schemeClr val="accent1"/>
                 </a:solidFill>
               </a14:hiddenFill>
             </a:ext>
             <a:ext uri="{91240B29-F687-4F45-9708-019B960494DF}">
-              <a14:hiddenLine xmlns:a14="http://schemas.microsoft.com/office/drawing/2010/main" xmlns="" w="9525">
+              <a14:hiddenLine xmlns:a14="http://schemas.microsoft.com/office/drawing/2010/main" w="9525">
                 <a:solidFill>
                   <a:schemeClr val="tx1"/>
                 </a:solidFill>
@@ -5835,7 +5818,7 @@
               </a14:hiddenLine>
             </a:ext>
             <a:ext uri="{AF507438-7753-43E0-B8FC-AC1667EBCBE1}">
-              <a14:hiddenEffects xmlns:a14="http://schemas.microsoft.com/office/drawing/2010/main" xmlns="">
+              <a14:hiddenEffects xmlns:a14="http://schemas.microsoft.com/office/drawing/2010/main">
                 <a:effectLst>
                   <a:outerShdw dist="35921" dir="2700000" algn="ctr" rotWithShape="0">
                     <a:schemeClr val="bg2"/>
@@ -5849,7 +5832,7 @@
     </p:spTree>
     <p:extLst>
       <p:ext uri="{BB962C8B-B14F-4D97-AF65-F5344CB8AC3E}">
-        <p14:creationId xmlns:p14="http://schemas.microsoft.com/office/powerpoint/2010/main" xmlns="" val="1219977112"/>
+        <p14:creationId xmlns:p14="http://schemas.microsoft.com/office/powerpoint/2010/main" val="1219977112"/>
       </p:ext>
     </p:extLst>
   </p:cSld>
@@ -5925,7 +5908,7 @@
           <a:blip r:embed="rId2" cstate="print">
             <a:extLst>
               <a:ext uri="{28A0092B-C50C-407E-A947-70E740481C1C}">
-                <a14:useLocalDpi xmlns:a14="http://schemas.microsoft.com/office/drawing/2010/main" xmlns="" val="0"/>
+                <a14:useLocalDpi xmlns:a14="http://schemas.microsoft.com/office/drawing/2010/main" val="0"/>
               </a:ext>
             </a:extLst>
           </a:blip>
@@ -5949,14 +5932,14 @@
           <a:effectLst/>
           <a:extLst>
             <a:ext uri="{909E8E84-426E-40DD-AFC4-6F175D3DCCD1}">
-              <a14:hiddenFill xmlns:a14="http://schemas.microsoft.com/office/drawing/2010/main" xmlns="">
+              <a14:hiddenFill xmlns:a14="http://schemas.microsoft.com/office/drawing/2010/main">
                 <a:solidFill>
                   <a:schemeClr val="accent1"/>
                 </a:solidFill>
               </a14:hiddenFill>
             </a:ext>
             <a:ext uri="{91240B29-F687-4F45-9708-019B960494DF}">
-              <a14:hiddenLine xmlns:a14="http://schemas.microsoft.com/office/drawing/2010/main" xmlns="" w="9525">
+              <a14:hiddenLine xmlns:a14="http://schemas.microsoft.com/office/drawing/2010/main" w="9525">
                 <a:solidFill>
                   <a:schemeClr val="tx1"/>
                 </a:solidFill>
@@ -5966,7 +5949,7 @@
               </a14:hiddenLine>
             </a:ext>
             <a:ext uri="{AF507438-7753-43E0-B8FC-AC1667EBCBE1}">
-              <a14:hiddenEffects xmlns:a14="http://schemas.microsoft.com/office/drawing/2010/main" xmlns="">
+              <a14:hiddenEffects xmlns:a14="http://schemas.microsoft.com/office/drawing/2010/main">
                 <a:effectLst>
                   <a:outerShdw dist="35921" dir="2700000" algn="ctr" rotWithShape="0">
                     <a:schemeClr val="bg2"/>
@@ -5980,7 +5963,7 @@
     </p:spTree>
     <p:extLst>
       <p:ext uri="{BB962C8B-B14F-4D97-AF65-F5344CB8AC3E}">
-        <p14:creationId xmlns:p14="http://schemas.microsoft.com/office/powerpoint/2010/main" xmlns="" val="2705211014"/>
+        <p14:creationId xmlns:p14="http://schemas.microsoft.com/office/powerpoint/2010/main" val="2705211014"/>
       </p:ext>
     </p:extLst>
   </p:cSld>
@@ -6056,7 +6039,7 @@
           <a:blip r:embed="rId2" cstate="print">
             <a:extLst>
               <a:ext uri="{28A0092B-C50C-407E-A947-70E740481C1C}">
-                <a14:useLocalDpi xmlns:a14="http://schemas.microsoft.com/office/drawing/2010/main" xmlns="" val="0"/>
+                <a14:useLocalDpi xmlns:a14="http://schemas.microsoft.com/office/drawing/2010/main" val="0"/>
               </a:ext>
             </a:extLst>
           </a:blip>
@@ -6080,14 +6063,14 @@
           <a:effectLst/>
           <a:extLst>
             <a:ext uri="{909E8E84-426E-40DD-AFC4-6F175D3DCCD1}">
-              <a14:hiddenFill xmlns:a14="http://schemas.microsoft.com/office/drawing/2010/main" xmlns="">
+              <a14:hiddenFill xmlns:a14="http://schemas.microsoft.com/office/drawing/2010/main">
                 <a:solidFill>
                   <a:schemeClr val="accent1"/>
                 </a:solidFill>
               </a14:hiddenFill>
             </a:ext>
             <a:ext uri="{91240B29-F687-4F45-9708-019B960494DF}">
-              <a14:hiddenLine xmlns:a14="http://schemas.microsoft.com/office/drawing/2010/main" xmlns="" w="9525">
+              <a14:hiddenLine xmlns:a14="http://schemas.microsoft.com/office/drawing/2010/main" w="9525">
                 <a:solidFill>
                   <a:schemeClr val="tx1"/>
                 </a:solidFill>
@@ -6097,7 +6080,7 @@
               </a14:hiddenLine>
             </a:ext>
             <a:ext uri="{AF507438-7753-43E0-B8FC-AC1667EBCBE1}">
-              <a14:hiddenEffects xmlns:a14="http://schemas.microsoft.com/office/drawing/2010/main" xmlns="">
+              <a14:hiddenEffects xmlns:a14="http://schemas.microsoft.com/office/drawing/2010/main">
                 <a:effectLst>
                   <a:outerShdw dist="35921" dir="2700000" algn="ctr" rotWithShape="0">
                     <a:schemeClr val="bg2"/>
@@ -6111,7 +6094,7 @@
     </p:spTree>
     <p:extLst>
       <p:ext uri="{BB962C8B-B14F-4D97-AF65-F5344CB8AC3E}">
-        <p14:creationId xmlns:p14="http://schemas.microsoft.com/office/powerpoint/2010/main" xmlns="" val="3272794000"/>
+        <p14:creationId xmlns:p14="http://schemas.microsoft.com/office/powerpoint/2010/main" val="3272794000"/>
       </p:ext>
     </p:extLst>
   </p:cSld>
@@ -6187,7 +6170,7 @@
           <a:blip r:embed="rId2" cstate="print">
             <a:extLst>
               <a:ext uri="{28A0092B-C50C-407E-A947-70E740481C1C}">
-                <a14:useLocalDpi xmlns:a14="http://schemas.microsoft.com/office/drawing/2010/main" xmlns="" val="0"/>
+                <a14:useLocalDpi xmlns:a14="http://schemas.microsoft.com/office/drawing/2010/main" val="0"/>
               </a:ext>
             </a:extLst>
           </a:blip>
@@ -6211,14 +6194,14 @@
           <a:effectLst/>
           <a:extLst>
             <a:ext uri="{909E8E84-426E-40DD-AFC4-6F175D3DCCD1}">
-              <a14:hiddenFill xmlns:a14="http://schemas.microsoft.com/office/drawing/2010/main" xmlns="">
+              <a14:hiddenFill xmlns:a14="http://schemas.microsoft.com/office/drawing/2010/main">
                 <a:solidFill>
                   <a:schemeClr val="accent1"/>
                 </a:solidFill>
               </a14:hiddenFill>
             </a:ext>
             <a:ext uri="{91240B29-F687-4F45-9708-019B960494DF}">
-              <a14:hiddenLine xmlns:a14="http://schemas.microsoft.com/office/drawing/2010/main" xmlns="" w="9525">
+              <a14:hiddenLine xmlns:a14="http://schemas.microsoft.com/office/drawing/2010/main" w="9525">
                 <a:solidFill>
                   <a:schemeClr val="tx1"/>
                 </a:solidFill>
@@ -6228,7 +6211,7 @@
               </a14:hiddenLine>
             </a:ext>
             <a:ext uri="{AF507438-7753-43E0-B8FC-AC1667EBCBE1}">
-              <a14:hiddenEffects xmlns:a14="http://schemas.microsoft.com/office/drawing/2010/main" xmlns="">
+              <a14:hiddenEffects xmlns:a14="http://schemas.microsoft.com/office/drawing/2010/main">
                 <a:effectLst>
                   <a:outerShdw dist="35921" dir="2700000" algn="ctr" rotWithShape="0">
                     <a:schemeClr val="bg2"/>
@@ -6242,7 +6225,7 @@
     </p:spTree>
     <p:extLst>
       <p:ext uri="{BB962C8B-B14F-4D97-AF65-F5344CB8AC3E}">
-        <p14:creationId xmlns:p14="http://schemas.microsoft.com/office/powerpoint/2010/main" xmlns="" val="1910052205"/>
+        <p14:creationId xmlns:p14="http://schemas.microsoft.com/office/powerpoint/2010/main" val="1910052205"/>
       </p:ext>
     </p:extLst>
   </p:cSld>
